--- a/slides-aulas/analise-sintatica.pptx
+++ b/slides-aulas/analise-sintatica.pptx
@@ -257,7 +257,7 @@
           <a:p>
             <a:fld id="{5B4FB0EF-3FA7-4D7D-9D8C-CD58D9E30B2E}" type="datetimeFigureOut">
               <a:rPr lang="en-US" smtClean="0"/>
-              <a:t>3/26/2018</a:t>
+              <a:t>9/6/2018</a:t>
             </a:fld>
             <a:endParaRPr lang="en-US"/>
           </a:p>
@@ -422,7 +422,7 @@
           <a:p>
             <a:fld id="{AE59DE47-DA45-4E60-8DD3-9D54289C6461}" type="datetimeFigureOut">
               <a:rPr lang="en-US" smtClean="0"/>
-              <a:t>3/26/2018</a:t>
+              <a:t>9/6/2018</a:t>
             </a:fld>
             <a:endParaRPr lang="en-US"/>
           </a:p>
@@ -1125,7 +1125,7 @@
           <a:p>
             <a:fld id="{437FFD9E-2183-4267-88EE-AC43C75D7CDB}" type="datetimeFigureOut">
               <a:rPr lang="en-US" smtClean="0"/>
-              <a:t>3/26/2018</a:t>
+              <a:t>9/6/2018</a:t>
             </a:fld>
             <a:endParaRPr lang="en-US"/>
           </a:p>
@@ -1295,7 +1295,7 @@
           <a:p>
             <a:fld id="{437FFD9E-2183-4267-88EE-AC43C75D7CDB}" type="datetimeFigureOut">
               <a:rPr lang="en-US" smtClean="0"/>
-              <a:t>3/26/2018</a:t>
+              <a:t>9/6/2018</a:t>
             </a:fld>
             <a:endParaRPr lang="en-US"/>
           </a:p>
@@ -1475,7 +1475,7 @@
           <a:p>
             <a:fld id="{437FFD9E-2183-4267-88EE-AC43C75D7CDB}" type="datetimeFigureOut">
               <a:rPr lang="en-US" smtClean="0"/>
-              <a:t>3/26/2018</a:t>
+              <a:t>9/6/2018</a:t>
             </a:fld>
             <a:endParaRPr lang="en-US"/>
           </a:p>
@@ -1645,7 +1645,7 @@
           <a:p>
             <a:fld id="{437FFD9E-2183-4267-88EE-AC43C75D7CDB}" type="datetimeFigureOut">
               <a:rPr lang="en-US" smtClean="0"/>
-              <a:t>3/26/2018</a:t>
+              <a:t>9/6/2018</a:t>
             </a:fld>
             <a:endParaRPr lang="en-US"/>
           </a:p>
@@ -1891,7 +1891,7 @@
           <a:p>
             <a:fld id="{437FFD9E-2183-4267-88EE-AC43C75D7CDB}" type="datetimeFigureOut">
               <a:rPr lang="en-US" smtClean="0"/>
-              <a:t>3/26/2018</a:t>
+              <a:t>9/6/2018</a:t>
             </a:fld>
             <a:endParaRPr lang="en-US"/>
           </a:p>
@@ -2179,7 +2179,7 @@
           <a:p>
             <a:fld id="{437FFD9E-2183-4267-88EE-AC43C75D7CDB}" type="datetimeFigureOut">
               <a:rPr lang="en-US" smtClean="0"/>
-              <a:t>3/26/2018</a:t>
+              <a:t>9/6/2018</a:t>
             </a:fld>
             <a:endParaRPr lang="en-US"/>
           </a:p>
@@ -2601,7 +2601,7 @@
           <a:p>
             <a:fld id="{437FFD9E-2183-4267-88EE-AC43C75D7CDB}" type="datetimeFigureOut">
               <a:rPr lang="en-US" smtClean="0"/>
-              <a:t>3/26/2018</a:t>
+              <a:t>9/6/2018</a:t>
             </a:fld>
             <a:endParaRPr lang="en-US"/>
           </a:p>
@@ -2719,7 +2719,7 @@
           <a:p>
             <a:fld id="{437FFD9E-2183-4267-88EE-AC43C75D7CDB}" type="datetimeFigureOut">
               <a:rPr lang="en-US" smtClean="0"/>
-              <a:t>3/26/2018</a:t>
+              <a:t>9/6/2018</a:t>
             </a:fld>
             <a:endParaRPr lang="en-US"/>
           </a:p>
@@ -2814,7 +2814,7 @@
           <a:p>
             <a:fld id="{437FFD9E-2183-4267-88EE-AC43C75D7CDB}" type="datetimeFigureOut">
               <a:rPr lang="en-US" smtClean="0"/>
-              <a:t>3/26/2018</a:t>
+              <a:t>9/6/2018</a:t>
             </a:fld>
             <a:endParaRPr lang="en-US"/>
           </a:p>
@@ -3091,7 +3091,7 @@
           <a:p>
             <a:fld id="{437FFD9E-2183-4267-88EE-AC43C75D7CDB}" type="datetimeFigureOut">
               <a:rPr lang="en-US" smtClean="0"/>
-              <a:t>3/26/2018</a:t>
+              <a:t>9/6/2018</a:t>
             </a:fld>
             <a:endParaRPr lang="en-US"/>
           </a:p>
@@ -3344,7 +3344,7 @@
           <a:p>
             <a:fld id="{437FFD9E-2183-4267-88EE-AC43C75D7CDB}" type="datetimeFigureOut">
               <a:rPr lang="en-US" smtClean="0"/>
-              <a:t>3/26/2018</a:t>
+              <a:t>9/6/2018</a:t>
             </a:fld>
             <a:endParaRPr lang="en-US"/>
           </a:p>
@@ -3557,7 +3557,7 @@
           <a:p>
             <a:fld id="{437FFD9E-2183-4267-88EE-AC43C75D7CDB}" type="datetimeFigureOut">
               <a:rPr lang="en-US" smtClean="0"/>
-              <a:t>3/26/2018</a:t>
+              <a:t>9/6/2018</a:t>
             </a:fld>
             <a:endParaRPr lang="en-US"/>
           </a:p>
@@ -37723,14 +37723,32 @@
           <a:p>
             <a:r>
               <a:rPr lang="pt-BR" dirty="0" smtClean="0"/>
-              <a:t>Sintetizados (dependem dos nós filho)</a:t>
-            </a:r>
-          </a:p>
-          <a:p>
+              <a:t>Sintetizados--dependem </a:t>
+            </a:r>
             <a:r>
               <a:rPr lang="pt-BR" dirty="0" smtClean="0"/>
-              <a:t>Herdados (dependem de nós pai e irmão)</a:t>
-            </a:r>
+              <a:t>dos nós </a:t>
+            </a:r>
+            <a:r>
+              <a:rPr lang="pt-BR" dirty="0" smtClean="0"/>
+              <a:t>filho</a:t>
+            </a:r>
+            <a:endParaRPr lang="pt-BR" dirty="0" smtClean="0"/>
+          </a:p>
+          <a:p>
+            <a:r>
+              <a:rPr lang="pt-BR" dirty="0" smtClean="0"/>
+              <a:t>Herdados--dependem </a:t>
+            </a:r>
+            <a:r>
+              <a:rPr lang="pt-BR" dirty="0" smtClean="0"/>
+              <a:t>de nós pai e </a:t>
+            </a:r>
+            <a:r>
+              <a:rPr lang="pt-BR" dirty="0" smtClean="0"/>
+              <a:t>irmão</a:t>
+            </a:r>
+            <a:endParaRPr lang="pt-BR" dirty="0" smtClean="0"/>
           </a:p>
           <a:p>
             <a:endParaRPr lang="pt-BR" dirty="0"/>
@@ -38314,12 +38332,16 @@
               <a:t> com busca </a:t>
             </a:r>
             <a:r>
+              <a:rPr lang="pt-BR" dirty="0" smtClean="0"/>
+              <a:t>“</a:t>
+            </a:r>
+            <a:r>
               <a:rPr lang="pt-BR" dirty="0" err="1" smtClean="0"/>
               <a:t>bottom-up</a:t>
             </a:r>
             <a:r>
               <a:rPr lang="pt-BR" dirty="0" smtClean="0"/>
-              <a:t> (pós-ordem)</a:t>
+              <a:t>”</a:t>
             </a:r>
             <a:endParaRPr lang="en-US" i="1" dirty="0" smtClean="0"/>
           </a:p>
@@ -38538,7 +38560,15 @@
             </a:pPr>
             <a:r>
               <a:rPr lang="pt-BR" dirty="0" smtClean="0"/>
-              <a:t>Por exemplo se um identificador usado em uma expressão é definido no contexto de uso</a:t>
+              <a:t>Por </a:t>
+            </a:r>
+            <a:r>
+              <a:rPr lang="pt-BR" dirty="0" smtClean="0"/>
+              <a:t>exemplo, </a:t>
+            </a:r>
+            <a:r>
+              <a:rPr lang="pt-BR" dirty="0" smtClean="0"/>
+              <a:t>se um identificador usado em uma expressão é definido no contexto de uso</a:t>
             </a:r>
           </a:p>
           <a:p>
@@ -39351,7 +39381,23 @@
           <a:p>
             <a:r>
               <a:rPr lang="pt-BR" dirty="0" smtClean="0"/>
-              <a:t>Defina regras semânticas para construção das árvores sintáticas da gramática abaixo</a:t>
+              <a:t>Defina regras semânticas para construção </a:t>
+            </a:r>
+            <a:r>
+              <a:rPr lang="pt-BR" dirty="0" smtClean="0"/>
+              <a:t>de </a:t>
+            </a:r>
+            <a:r>
+              <a:rPr lang="pt-BR" dirty="0" smtClean="0"/>
+              <a:t>árvores sintáticas </a:t>
+            </a:r>
+            <a:r>
+              <a:rPr lang="pt-BR" dirty="0" smtClean="0"/>
+              <a:t>para a gramática </a:t>
+            </a:r>
+            <a:r>
+              <a:rPr lang="pt-BR" dirty="0" smtClean="0"/>
+              <a:t>abaixo</a:t>
             </a:r>
             <a:endParaRPr lang="en-US" dirty="0"/>
           </a:p>
@@ -40436,8 +40482,8 @@
         </p:nvSpPr>
         <p:spPr>
           <a:xfrm>
-            <a:off x="314634" y="1295400"/>
-            <a:ext cx="2486130" cy="369332"/>
+            <a:off x="271397" y="1371599"/>
+            <a:ext cx="4271939" cy="584775"/>
           </a:xfrm>
           <a:prstGeom prst="rect">
             <a:avLst/>
@@ -40451,30 +40497,30 @@
           <a:lstStyle/>
           <a:p>
             <a:r>
-              <a:rPr lang="en-US" dirty="0" err="1" smtClean="0"/>
+              <a:rPr lang="en-US" sz="3200" dirty="0" err="1" smtClean="0"/>
               <a:t>Defina</a:t>
             </a:r>
             <a:r>
-              <a:rPr lang="en-US" dirty="0" smtClean="0"/>
-              <a:t> </a:t>
-            </a:r>
-            <a:r>
-              <a:rPr lang="en-US" dirty="0" err="1" smtClean="0"/>
+              <a:rPr lang="en-US" sz="3200" dirty="0" smtClean="0"/>
+              <a:t> </a:t>
+            </a:r>
+            <a:r>
+              <a:rPr lang="en-US" sz="3200" dirty="0" err="1" smtClean="0"/>
               <a:t>os</a:t>
             </a:r>
             <a:r>
-              <a:rPr lang="en-US" dirty="0" smtClean="0"/>
-              <a:t> </a:t>
-            </a:r>
-            <a:r>
-              <a:rPr lang="en-US" dirty="0" err="1" smtClean="0"/>
+              <a:rPr lang="en-US" sz="3200" dirty="0" smtClean="0"/>
+              <a:t> </a:t>
+            </a:r>
+            <a:r>
+              <a:rPr lang="en-US" sz="3200" dirty="0" err="1" smtClean="0"/>
               <a:t>tipos</a:t>
             </a:r>
             <a:r>
-              <a:rPr lang="en-US" dirty="0" smtClean="0"/>
+              <a:rPr lang="en-US" sz="3200" dirty="0" smtClean="0"/>
               <a:t> de dados</a:t>
             </a:r>
-            <a:endParaRPr lang="en-US" dirty="0"/>
+            <a:endParaRPr lang="en-US" sz="3200" dirty="0"/>
           </a:p>
         </p:txBody>
       </p:sp>
@@ -40486,7 +40532,7 @@
         </p:nvSpPr>
         <p:spPr>
           <a:xfrm>
-            <a:off x="152400" y="1752600"/>
+            <a:off x="304800" y="2209800"/>
             <a:ext cx="10515600" cy="4462760"/>
           </a:xfrm>
           <a:prstGeom prst="rect">
@@ -41113,7 +41159,7 @@
         </p:nvSpPr>
         <p:spPr>
           <a:xfrm>
-            <a:off x="152400" y="1752600"/>
+            <a:off x="152400" y="2025908"/>
             <a:ext cx="10515600" cy="4832092"/>
           </a:xfrm>
           <a:prstGeom prst="rect">
@@ -41945,7 +41991,18 @@
                 <a:cs typeface="Courier New" panose="02070309020205020404" pitchFamily="49" charset="0"/>
                 <a:sym typeface="Wingdings" pitchFamily="-111" charset="2"/>
               </a:rPr>
-              <a:t>     | </a:t>
+              <a:t>     </a:t>
+            </a:r>
+            <a:r>
+              <a:rPr lang="en-US" sz="2000" dirty="0" smtClean="0">
+                <a:solidFill>
+                  <a:schemeClr val="dk1"/>
+                </a:solidFill>
+                <a:latin typeface="Courier New" panose="02070309020205020404" pitchFamily="49" charset="0"/>
+                <a:cs typeface="Courier New" panose="02070309020205020404" pitchFamily="49" charset="0"/>
+                <a:sym typeface="Wingdings" pitchFamily="-111" charset="2"/>
+              </a:rPr>
+              <a:t> | </a:t>
             </a:r>
             <a:r>
               <a:rPr lang="en-US" sz="2000" b="1" dirty="0">
@@ -42005,7 +42062,18 @@
                 <a:cs typeface="Courier New" panose="02070309020205020404" pitchFamily="49" charset="0"/>
                 <a:sym typeface="Wingdings" pitchFamily="-111" charset="2"/>
               </a:rPr>
-              <a:t>     ...</a:t>
+              <a:t>     </a:t>
+            </a:r>
+            <a:r>
+              <a:rPr lang="en-US" sz="2000" dirty="0" smtClean="0">
+                <a:solidFill>
+                  <a:schemeClr val="dk1"/>
+                </a:solidFill>
+                <a:latin typeface="Courier New" panose="02070309020205020404" pitchFamily="49" charset="0"/>
+                <a:cs typeface="Courier New" panose="02070309020205020404" pitchFamily="49" charset="0"/>
+                <a:sym typeface="Wingdings" pitchFamily="-111" charset="2"/>
+              </a:rPr>
+              <a:t> ...</a:t>
             </a:r>
             <a:endParaRPr lang="pt-BR" sz="2000" dirty="0">
               <a:solidFill>
@@ -42025,8 +42093,8 @@
         </p:nvSpPr>
         <p:spPr>
           <a:xfrm>
-            <a:off x="314634" y="1295400"/>
-            <a:ext cx="5857566" cy="369332"/>
+            <a:off x="168058" y="1198096"/>
+            <a:ext cx="8552406" cy="584775"/>
           </a:xfrm>
           <a:prstGeom prst="rect">
             <a:avLst/>
@@ -42040,46 +42108,42 @@
           <a:lstStyle/>
           <a:p>
             <a:r>
-              <a:rPr lang="en-US" dirty="0" err="1" smtClean="0"/>
-              <a:t>Considere</a:t>
-            </a:r>
-            <a:r>
-              <a:rPr lang="en-US" dirty="0" smtClean="0"/>
-              <a:t> que </a:t>
-            </a:r>
-            <a:r>
-              <a:rPr lang="en-US" dirty="0" err="1" smtClean="0"/>
-              <a:t>há</a:t>
-            </a:r>
-            <a:r>
-              <a:rPr lang="en-US" dirty="0" smtClean="0"/>
-              <a:t> um </a:t>
-            </a:r>
-            <a:r>
-              <a:rPr lang="en-US" dirty="0" err="1" smtClean="0"/>
-              <a:t>atributo</a:t>
-            </a:r>
-            <a:r>
-              <a:rPr lang="en-US" dirty="0" smtClean="0"/>
-              <a:t> </a:t>
-            </a:r>
-            <a:r>
-              <a:rPr lang="en-US" dirty="0" err="1" smtClean="0"/>
-              <a:t>chamado</a:t>
-            </a:r>
-            <a:r>
-              <a:rPr lang="en-US" dirty="0" smtClean="0"/>
-              <a:t> res (para </a:t>
-            </a:r>
-            <a:r>
-              <a:rPr lang="en-US" dirty="0" err="1" smtClean="0"/>
-              <a:t>resultado</a:t>
-            </a:r>
-            <a:r>
-              <a:rPr lang="en-US" dirty="0" smtClean="0"/>
-              <a:t>).</a:t>
-            </a:r>
-            <a:endParaRPr lang="en-US" dirty="0"/>
+              <a:rPr lang="en-US" sz="3200" dirty="0" err="1" smtClean="0"/>
+              <a:t>Atributo</a:t>
+            </a:r>
+            <a:r>
+              <a:rPr lang="en-US" sz="3200" dirty="0" smtClean="0"/>
+              <a:t> res</a:t>
+            </a:r>
+            <a:r>
+              <a:rPr lang="en-US" sz="3200" dirty="0"/>
+              <a:t> </a:t>
+            </a:r>
+            <a:r>
+              <a:rPr lang="en-US" sz="3200" dirty="0" err="1" smtClean="0"/>
+              <a:t>representa</a:t>
+            </a:r>
+            <a:r>
+              <a:rPr lang="en-US" sz="3200" dirty="0" smtClean="0"/>
+              <a:t> </a:t>
+            </a:r>
+            <a:r>
+              <a:rPr lang="en-US" sz="3200" dirty="0" err="1" smtClean="0"/>
+              <a:t>nó</a:t>
+            </a:r>
+            <a:r>
+              <a:rPr lang="en-US" sz="3200" dirty="0" smtClean="0"/>
+              <a:t> </a:t>
+            </a:r>
+            <a:r>
+              <a:rPr lang="en-US" sz="3200" dirty="0" err="1" smtClean="0"/>
+              <a:t>correspondente</a:t>
+            </a:r>
+            <a:r>
+              <a:rPr lang="en-US" sz="3200" dirty="0" smtClean="0"/>
+              <a:t> da AST</a:t>
+            </a:r>
+            <a:endParaRPr lang="en-US" sz="3200" dirty="0"/>
           </a:p>
         </p:txBody>
       </p:sp>
@@ -42151,8 +42215,8 @@
         </p:nvSpPr>
         <p:spPr>
           <a:xfrm>
-            <a:off x="153970" y="1295400"/>
-            <a:ext cx="5132815" cy="369332"/>
+            <a:off x="152400" y="1271619"/>
+            <a:ext cx="8610600" cy="1077218"/>
           </a:xfrm>
           <a:prstGeom prst="rect">
             <a:avLst/>
@@ -42160,60 +42224,56 @@
           <a:noFill/>
         </p:spPr>
         <p:txBody>
-          <a:bodyPr wrap="none" rtlCol="0">
+          <a:bodyPr wrap="square" rtlCol="0">
             <a:spAutoFit/>
           </a:bodyPr>
           <a:lstStyle/>
           <a:p>
             <a:r>
-              <a:rPr lang="en-US" dirty="0" smtClean="0"/>
-              <a:t>Ex: </a:t>
-            </a:r>
-            <a:r>
-              <a:rPr lang="en-US" dirty="0" smtClean="0"/>
-              <a:t>Para a </a:t>
-            </a:r>
-            <a:r>
-              <a:rPr lang="en-US" dirty="0" err="1" smtClean="0"/>
-              <a:t>entrada</a:t>
-            </a:r>
-            <a:r>
-              <a:rPr lang="en-US" dirty="0" smtClean="0"/>
-              <a:t> 5 </a:t>
-            </a:r>
-            <a:r>
-              <a:rPr lang="en-US" dirty="0" smtClean="0"/>
+              <a:rPr lang="en-US" sz="3200" dirty="0"/>
+              <a:t>Para </a:t>
+            </a:r>
+            <a:r>
+              <a:rPr lang="en-US" sz="3200" dirty="0" smtClean="0"/>
+              <a:t>a entrada “5 </a:t>
+            </a:r>
+            <a:r>
+              <a:rPr lang="en-US" sz="3200" dirty="0"/>
               <a:t>+ (3 – 2</a:t>
             </a:r>
             <a:r>
-              <a:rPr lang="en-US" dirty="0" smtClean="0"/>
-              <a:t>), a </a:t>
-            </a:r>
-            <a:r>
-              <a:rPr lang="en-US" dirty="0" err="1" smtClean="0"/>
-              <a:t>saida</a:t>
-            </a:r>
-            <a:r>
-              <a:rPr lang="en-US" dirty="0" smtClean="0"/>
-              <a:t> </a:t>
-            </a:r>
-            <a:r>
-              <a:rPr lang="en-US" dirty="0" err="1" smtClean="0"/>
+              <a:rPr lang="en-US" sz="3200" dirty="0" smtClean="0"/>
+              <a:t>)”, o </a:t>
+            </a:r>
+            <a:r>
+              <a:rPr lang="en-US" sz="3200" dirty="0" smtClean="0"/>
+              <a:t>valor de res do </a:t>
+            </a:r>
+            <a:r>
+              <a:rPr lang="en-US" sz="3200" dirty="0" err="1" smtClean="0"/>
+              <a:t>nó</a:t>
+            </a:r>
+            <a:r>
+              <a:rPr lang="en-US" sz="3200" dirty="0" smtClean="0"/>
+              <a:t> </a:t>
+            </a:r>
+            <a:r>
+              <a:rPr lang="en-US" sz="3200" dirty="0" err="1" smtClean="0"/>
+              <a:t>raiz</a:t>
+            </a:r>
+            <a:r>
+              <a:rPr lang="en-US" sz="3200" dirty="0" smtClean="0"/>
+              <a:t> </a:t>
+            </a:r>
+            <a:r>
+              <a:rPr lang="en-US" sz="3200" dirty="0" err="1" smtClean="0"/>
               <a:t>seria</a:t>
             </a:r>
             <a:r>
-              <a:rPr lang="en-US" dirty="0"/>
-              <a:t> </a:t>
-            </a:r>
-            <a:r>
-              <a:rPr lang="en-US" dirty="0" smtClean="0"/>
-              <a:t>a </a:t>
-            </a:r>
-            <a:r>
-              <a:rPr lang="en-US" dirty="0" err="1" smtClean="0"/>
-              <a:t>seguinte</a:t>
-            </a:r>
-            <a:endParaRPr lang="en-US" dirty="0"/>
+              <a:rPr lang="en-US" sz="3200" dirty="0" smtClean="0"/>
+              <a:t>…</a:t>
+            </a:r>
+            <a:endParaRPr lang="en-US" sz="3200" dirty="0"/>
           </a:p>
         </p:txBody>
       </p:sp>
@@ -42225,7 +42285,7 @@
         </p:nvSpPr>
         <p:spPr>
           <a:xfrm>
-            <a:off x="152400" y="2136276"/>
+            <a:off x="152400" y="2811959"/>
             <a:ext cx="10515600" cy="769441"/>
           </a:xfrm>
           <a:prstGeom prst="rect">
@@ -42253,7 +42313,97 @@
                 <a:latin typeface="Courier New" panose="02070309020205020404" pitchFamily="49" charset="0"/>
                 <a:cs typeface="Courier New" panose="02070309020205020404" pitchFamily="49" charset="0"/>
               </a:rPr>
-              <a:t>new Add(new Digit(5), new Sub(new Digit(3), new Digit(2)))</a:t>
+              <a:t>new Add(new </a:t>
+            </a:r>
+            <a:r>
+              <a:rPr lang="en-US" sz="2000" dirty="0" err="1" smtClean="0">
+                <a:solidFill>
+                  <a:schemeClr val="dk1"/>
+                </a:solidFill>
+                <a:latin typeface="Courier New" panose="02070309020205020404" pitchFamily="49" charset="0"/>
+                <a:cs typeface="Courier New" panose="02070309020205020404" pitchFamily="49" charset="0"/>
+              </a:rPr>
+              <a:t>Num</a:t>
+            </a:r>
+            <a:r>
+              <a:rPr lang="en-US" sz="2000" dirty="0" smtClean="0">
+                <a:solidFill>
+                  <a:schemeClr val="dk1"/>
+                </a:solidFill>
+                <a:latin typeface="Courier New" panose="02070309020205020404" pitchFamily="49" charset="0"/>
+                <a:cs typeface="Courier New" panose="02070309020205020404" pitchFamily="49" charset="0"/>
+              </a:rPr>
+              <a:t>(5), </a:t>
+            </a:r>
+            <a:r>
+              <a:rPr lang="en-US" sz="2000" dirty="0" smtClean="0">
+                <a:solidFill>
+                  <a:schemeClr val="dk1"/>
+                </a:solidFill>
+                <a:latin typeface="Courier New" panose="02070309020205020404" pitchFamily="49" charset="0"/>
+                <a:cs typeface="Courier New" panose="02070309020205020404" pitchFamily="49" charset="0"/>
+              </a:rPr>
+              <a:t>new Sub(new </a:t>
+            </a:r>
+            <a:r>
+              <a:rPr lang="en-US" sz="2000" dirty="0" err="1" smtClean="0">
+                <a:solidFill>
+                  <a:schemeClr val="dk1"/>
+                </a:solidFill>
+                <a:latin typeface="Courier New" panose="02070309020205020404" pitchFamily="49" charset="0"/>
+                <a:cs typeface="Courier New" panose="02070309020205020404" pitchFamily="49" charset="0"/>
+              </a:rPr>
+              <a:t>Num</a:t>
+            </a:r>
+            <a:r>
+              <a:rPr lang="en-US" sz="2000" dirty="0" smtClean="0">
+                <a:solidFill>
+                  <a:schemeClr val="dk1"/>
+                </a:solidFill>
+                <a:latin typeface="Courier New" panose="02070309020205020404" pitchFamily="49" charset="0"/>
+                <a:cs typeface="Courier New" panose="02070309020205020404" pitchFamily="49" charset="0"/>
+              </a:rPr>
+              <a:t>(3</a:t>
+            </a:r>
+            <a:r>
+              <a:rPr lang="en-US" sz="2000" dirty="0" smtClean="0">
+                <a:solidFill>
+                  <a:schemeClr val="dk1"/>
+                </a:solidFill>
+                <a:latin typeface="Courier New" panose="02070309020205020404" pitchFamily="49" charset="0"/>
+                <a:cs typeface="Courier New" panose="02070309020205020404" pitchFamily="49" charset="0"/>
+              </a:rPr>
+              <a:t>), new </a:t>
+            </a:r>
+            <a:r>
+              <a:rPr lang="en-US" sz="2000" dirty="0" err="1" smtClean="0">
+                <a:solidFill>
+                  <a:schemeClr val="dk1"/>
+                </a:solidFill>
+                <a:latin typeface="Courier New" panose="02070309020205020404" pitchFamily="49" charset="0"/>
+                <a:cs typeface="Courier New" panose="02070309020205020404" pitchFamily="49" charset="0"/>
+              </a:rPr>
+              <a:t>Num</a:t>
+            </a:r>
+            <a:r>
+              <a:rPr lang="en-US" sz="2000" dirty="0" smtClean="0">
+                <a:solidFill>
+                  <a:schemeClr val="dk1"/>
+                </a:solidFill>
+                <a:latin typeface="Courier New" panose="02070309020205020404" pitchFamily="49" charset="0"/>
+                <a:cs typeface="Courier New" panose="02070309020205020404" pitchFamily="49" charset="0"/>
+              </a:rPr>
+              <a:t>(2</a:t>
+            </a:r>
+            <a:r>
+              <a:rPr lang="en-US" sz="2000" dirty="0" smtClean="0">
+                <a:solidFill>
+                  <a:schemeClr val="dk1"/>
+                </a:solidFill>
+                <a:latin typeface="Courier New" panose="02070309020205020404" pitchFamily="49" charset="0"/>
+                <a:cs typeface="Courier New" panose="02070309020205020404" pitchFamily="49" charset="0"/>
+              </a:rPr>
+              <a:t>)))</a:t>
             </a:r>
             <a:endParaRPr lang="pt-BR" sz="2000" dirty="0">
               <a:solidFill>
@@ -42288,8 +42438,8 @@
         </p:nvSpPr>
         <p:spPr>
           <a:xfrm>
-            <a:off x="1295400" y="3429000"/>
-            <a:ext cx="6019800" cy="1569660"/>
+            <a:off x="914400" y="4145340"/>
+            <a:ext cx="7315200" cy="1569660"/>
           </a:xfrm>
           <a:prstGeom prst="rect">
             <a:avLst/>
@@ -42323,7 +42473,47 @@
                   <a:schemeClr val="tx1"/>
                 </a:solidFill>
               </a:rPr>
-              <a:t>Mais uma vez...note que geração de AST não é a única aplicação de gramática de atributos...</a:t>
+              <a:t>Lembre que definição de </a:t>
+            </a:r>
+            <a:r>
+              <a:rPr lang="pt-BR" sz="3200" dirty="0" err="1" smtClean="0">
+                <a:solidFill>
+                  <a:schemeClr val="tx1"/>
+                </a:solidFill>
+              </a:rPr>
+              <a:t>parsers</a:t>
+            </a:r>
+            <a:r>
+              <a:rPr lang="pt-BR" sz="3200" dirty="0" smtClean="0">
+                <a:solidFill>
+                  <a:schemeClr val="tx1"/>
+                </a:solidFill>
+              </a:rPr>
+              <a:t> </a:t>
+            </a:r>
+            <a:r>
+              <a:rPr lang="pt-BR" sz="3200" dirty="0" smtClean="0">
+                <a:solidFill>
+                  <a:schemeClr val="tx1"/>
+                </a:solidFill>
+              </a:rPr>
+              <a:t>não é a única aplicação de gramática de </a:t>
+            </a:r>
+            <a:r>
+              <a:rPr lang="pt-BR" sz="3200" dirty="0" smtClean="0">
+                <a:solidFill>
+                  <a:schemeClr val="tx1"/>
+                </a:solidFill>
+              </a:rPr>
+              <a:t>atributos</a:t>
+            </a:r>
+            <a:r>
+              <a:rPr lang="pt-BR" sz="3200" dirty="0" smtClean="0">
+                <a:solidFill>
+                  <a:schemeClr val="tx1"/>
+                </a:solidFill>
+              </a:rPr>
+              <a:t>, mas, certamente, é a mais popular.</a:t>
             </a:r>
             <a:endParaRPr lang="pt-BR" sz="3200" dirty="0" smtClean="0">
               <a:solidFill>

--- a/slides-aulas/analise-sintatica.pptx
+++ b/slides-aulas/analise-sintatica.pptx
@@ -258,7 +258,7 @@
           <a:p>
             <a:fld id="{5B4FB0EF-3FA7-4D7D-9D8C-CD58D9E30B2E}" type="datetimeFigureOut">
               <a:rPr lang="en-US" smtClean="0"/>
-              <a:t>3/20/2019</a:t>
+              <a:t>9/2/2019</a:t>
             </a:fld>
             <a:endParaRPr lang="en-US"/>
           </a:p>
@@ -423,7 +423,7 @@
           <a:p>
             <a:fld id="{AE59DE47-DA45-4E60-8DD3-9D54289C6461}" type="datetimeFigureOut">
               <a:rPr lang="en-US" smtClean="0"/>
-              <a:t>3/20/2019</a:t>
+              <a:t>9/2/2019</a:t>
             </a:fld>
             <a:endParaRPr lang="en-US"/>
           </a:p>
@@ -1126,7 +1126,7 @@
           <a:p>
             <a:fld id="{437FFD9E-2183-4267-88EE-AC43C75D7CDB}" type="datetimeFigureOut">
               <a:rPr lang="en-US" smtClean="0"/>
-              <a:t>3/20/2019</a:t>
+              <a:t>9/2/2019</a:t>
             </a:fld>
             <a:endParaRPr lang="en-US"/>
           </a:p>
@@ -1296,7 +1296,7 @@
           <a:p>
             <a:fld id="{437FFD9E-2183-4267-88EE-AC43C75D7CDB}" type="datetimeFigureOut">
               <a:rPr lang="en-US" smtClean="0"/>
-              <a:t>3/20/2019</a:t>
+              <a:t>9/2/2019</a:t>
             </a:fld>
             <a:endParaRPr lang="en-US"/>
           </a:p>
@@ -1476,7 +1476,7 @@
           <a:p>
             <a:fld id="{437FFD9E-2183-4267-88EE-AC43C75D7CDB}" type="datetimeFigureOut">
               <a:rPr lang="en-US" smtClean="0"/>
-              <a:t>3/20/2019</a:t>
+              <a:t>9/2/2019</a:t>
             </a:fld>
             <a:endParaRPr lang="en-US"/>
           </a:p>
@@ -1646,7 +1646,7 @@
           <a:p>
             <a:fld id="{437FFD9E-2183-4267-88EE-AC43C75D7CDB}" type="datetimeFigureOut">
               <a:rPr lang="en-US" smtClean="0"/>
-              <a:t>3/20/2019</a:t>
+              <a:t>9/2/2019</a:t>
             </a:fld>
             <a:endParaRPr lang="en-US"/>
           </a:p>
@@ -1892,7 +1892,7 @@
           <a:p>
             <a:fld id="{437FFD9E-2183-4267-88EE-AC43C75D7CDB}" type="datetimeFigureOut">
               <a:rPr lang="en-US" smtClean="0"/>
-              <a:t>3/20/2019</a:t>
+              <a:t>9/2/2019</a:t>
             </a:fld>
             <a:endParaRPr lang="en-US"/>
           </a:p>
@@ -2180,7 +2180,7 @@
           <a:p>
             <a:fld id="{437FFD9E-2183-4267-88EE-AC43C75D7CDB}" type="datetimeFigureOut">
               <a:rPr lang="en-US" smtClean="0"/>
-              <a:t>3/20/2019</a:t>
+              <a:t>9/2/2019</a:t>
             </a:fld>
             <a:endParaRPr lang="en-US"/>
           </a:p>
@@ -2602,7 +2602,7 @@
           <a:p>
             <a:fld id="{437FFD9E-2183-4267-88EE-AC43C75D7CDB}" type="datetimeFigureOut">
               <a:rPr lang="en-US" smtClean="0"/>
-              <a:t>3/20/2019</a:t>
+              <a:t>9/2/2019</a:t>
             </a:fld>
             <a:endParaRPr lang="en-US"/>
           </a:p>
@@ -2720,7 +2720,7 @@
           <a:p>
             <a:fld id="{437FFD9E-2183-4267-88EE-AC43C75D7CDB}" type="datetimeFigureOut">
               <a:rPr lang="en-US" smtClean="0"/>
-              <a:t>3/20/2019</a:t>
+              <a:t>9/2/2019</a:t>
             </a:fld>
             <a:endParaRPr lang="en-US"/>
           </a:p>
@@ -2815,7 +2815,7 @@
           <a:p>
             <a:fld id="{437FFD9E-2183-4267-88EE-AC43C75D7CDB}" type="datetimeFigureOut">
               <a:rPr lang="en-US" smtClean="0"/>
-              <a:t>3/20/2019</a:t>
+              <a:t>9/2/2019</a:t>
             </a:fld>
             <a:endParaRPr lang="en-US"/>
           </a:p>
@@ -3092,7 +3092,7 @@
           <a:p>
             <a:fld id="{437FFD9E-2183-4267-88EE-AC43C75D7CDB}" type="datetimeFigureOut">
               <a:rPr lang="en-US" smtClean="0"/>
-              <a:t>3/20/2019</a:t>
+              <a:t>9/2/2019</a:t>
             </a:fld>
             <a:endParaRPr lang="en-US"/>
           </a:p>
@@ -3345,7 +3345,7 @@
           <a:p>
             <a:fld id="{437FFD9E-2183-4267-88EE-AC43C75D7CDB}" type="datetimeFigureOut">
               <a:rPr lang="en-US" smtClean="0"/>
-              <a:t>3/20/2019</a:t>
+              <a:t>9/2/2019</a:t>
             </a:fld>
             <a:endParaRPr lang="en-US"/>
           </a:p>
@@ -3558,7 +3558,7 @@
           <a:p>
             <a:fld id="{437FFD9E-2183-4267-88EE-AC43C75D7CDB}" type="datetimeFigureOut">
               <a:rPr lang="en-US" smtClean="0"/>
-              <a:t>3/20/2019</a:t>
+              <a:t>9/2/2019</a:t>
             </a:fld>
             <a:endParaRPr lang="en-US"/>
           </a:p>
@@ -46147,6 +46147,7 @@
             </a:r>
           </a:p>
           <a:p>
+            <a:pPr lvl="1"/>
             <a:r>
               <a:rPr lang="pt-BR" dirty="0"/>
               <a:t>Uma derivação </a:t>
@@ -46157,18 +46158,22 @@
             </a:r>
             <a:r>
               <a:rPr lang="pt-BR" dirty="0"/>
-              <a:t>Uma </a:t>
+              <a:t>u</a:t>
             </a:r>
             <a:r>
               <a:rPr lang="pt-BR" dirty="0" smtClean="0"/>
-              <a:t>árvore</a:t>
+              <a:t>ma árvore</a:t>
             </a:r>
           </a:p>
           <a:p>
             <a:pPr lvl="1"/>
             <a:r>
+              <a:rPr lang="pt-BR" dirty="0"/>
+              <a:t>U</a:t>
+            </a:r>
+            <a:r>
               <a:rPr lang="pt-BR" dirty="0" smtClean="0"/>
-              <a:t>Mas uma árvore =/=&gt; uma derivação</a:t>
+              <a:t>ma árvore ==&gt; mais de uma derivação</a:t>
             </a:r>
           </a:p>
           <a:p>
